--- a/File/实验室项目汇报.pptx
+++ b/File/实验室项目汇报.pptx
@@ -4791,11 +4791,7 @@
             </a:r>
             <a:r>
               <a:rPr lang="zh-CN" altLang="en-US" b="1" dirty="0" smtClean="0"/>
-              <a:t>道模板做成单通道模板的重复，打印的时候动态排</a:t>
-            </a:r>
-            <a:r>
-              <a:rPr lang="zh-CN" altLang="en-US" b="1" dirty="0" smtClean="0"/>
-              <a:t>版</a:t>
+              <a:t>道模板做成单通道模板的重复，打印的时候动态排版</a:t>
             </a:r>
             <a:endParaRPr lang="en-US" altLang="zh-CN" b="1" dirty="0" smtClean="0"/>
           </a:p>
@@ -4810,24 +4806,16 @@
               <a:t>baiduTemplate</a:t>
             </a:r>
             <a:r>
-              <a:rPr lang="zh-CN" altLang="en-US" smtClean="0"/>
-              <a:t>模板引擎技</a:t>
-            </a:r>
-            <a:r>
               <a:rPr lang="zh-CN" altLang="en-US" dirty="0" smtClean="0"/>
-              <a:t>术</a:t>
+              <a:t>模板引擎技术</a:t>
             </a:r>
             <a:r>
               <a:rPr lang="en-US" altLang="zh-CN" dirty="0" smtClean="0"/>
               <a:t>(</a:t>
             </a:r>
             <a:r>
-              <a:rPr lang="zh-CN" altLang="en-US" dirty="0"/>
-              <a:t>百</a:t>
-            </a:r>
-            <a:r>
               <a:rPr lang="zh-CN" altLang="en-US" dirty="0" smtClean="0"/>
-              <a:t>度开源项目</a:t>
+              <a:t>百度开源项目</a:t>
             </a:r>
             <a:r>
               <a:rPr lang="en-US" altLang="zh-CN" dirty="0" smtClean="0"/>
@@ -5308,13 +5296,8 @@
             </a:r>
             <a:r>
               <a:rPr lang="zh-CN" altLang="en-US" b="1" dirty="0"/>
-              <a:t>对</a:t>
-            </a:r>
-            <a:r>
-              <a:rPr lang="zh-CN" altLang="en-US" b="1" dirty="0"/>
-              <a:t>外提供服务</a:t>
-            </a:r>
-            <a:endParaRPr lang="zh-CN" altLang="en-US" b="1" dirty="0"/>
+              <a:t>对外提供服务</a:t>
+            </a:r>
           </a:p>
         </p:txBody>
       </p:sp>
